--- a/APRESENTAÇÃO TCC.pptx
+++ b/APRESENTAÇÃO TCC.pptx
@@ -199,7 +199,14 @@
           </a:p>
         </c:rich>
       </c:tx>
-      <c:layout/>
+      <c:layout>
+        <c:manualLayout>
+          <c:xMode val="edge"/>
+          <c:yMode val="edge"/>
+          <c:x val="0.24266975308641975"/>
+          <c:y val="0"/>
+        </c:manualLayout>
+      </c:layout>
       <c:overlay val="0"/>
       <c:spPr>
         <a:noFill/>
@@ -314,7 +321,7 @@
               <a:lstStyle/>
               <a:p>
                 <a:pPr>
-                  <a:defRPr sz="1197" b="0" i="0" u="none" strike="noStrike" kern="1200" baseline="0">
+                  <a:defRPr sz="1400" b="1" i="0" u="none" strike="noStrike" kern="1200" baseline="0">
                     <a:solidFill>
                       <a:schemeClr val="tx1"/>
                     </a:solidFill>
@@ -475,7 +482,7 @@
               <a:lstStyle/>
               <a:p>
                 <a:pPr>
-                  <a:defRPr sz="1197" b="0" i="0" u="none" strike="noStrike" kern="1200" baseline="0">
+                  <a:defRPr sz="1400" b="1" i="0" u="none" strike="noStrike" kern="1200" baseline="0">
                     <a:solidFill>
                       <a:schemeClr val="tx1"/>
                     </a:solidFill>
@@ -624,6 +631,44 @@
           </c:spPr>
           <c:invertIfNegative val="0"/>
           <c:dLbls>
+            <c:dLbl>
+              <c:idx val="3"/>
+              <c:spPr>
+                <a:noFill/>
+                <a:ln>
+                  <a:noFill/>
+                </a:ln>
+                <a:effectLst/>
+              </c:spPr>
+              <c:txPr>
+                <a:bodyPr rot="0" spcFirstLastPara="1" vertOverflow="ellipsis" vert="horz" wrap="square" anchor="ctr" anchorCtr="1"/>
+                <a:lstStyle/>
+                <a:p>
+                  <a:pPr>
+                    <a:defRPr sz="1400" b="1" i="0" u="none" strike="noStrike" kern="1200" baseline="0">
+                      <a:solidFill>
+                        <a:schemeClr val="tx1"/>
+                      </a:solidFill>
+                      <a:latin typeface="+mn-lt"/>
+                      <a:ea typeface="+mn-ea"/>
+                      <a:cs typeface="+mn-cs"/>
+                    </a:defRPr>
+                  </a:pPr>
+                  <a:endParaRPr lang="pt-BR"/>
+                </a:p>
+              </c:txPr>
+              <c:showLegendKey val="0"/>
+              <c:showVal val="1"/>
+              <c:showCatName val="0"/>
+              <c:showSerName val="0"/>
+              <c:showPercent val="0"/>
+              <c:showBubbleSize val="0"/>
+              <c:extLst>
+                <c:ext xmlns:c16="http://schemas.microsoft.com/office/drawing/2014/chart" uri="{C3380CC4-5D6E-409C-BE32-E72D297353CC}">
+                  <c16:uniqueId val="{00000000-E357-4B9F-BFDC-A39EF3F7C002}"/>
+                </c:ext>
+              </c:extLst>
+            </c:dLbl>
             <c:spPr>
               <a:noFill/>
               <a:ln>
@@ -636,7 +681,7 @@
               <a:lstStyle/>
               <a:p>
                 <a:pPr>
-                  <a:defRPr sz="1197" b="0" i="0" u="none" strike="noStrike" kern="1200" baseline="0">
+                  <a:defRPr sz="1400" b="1" i="0" u="none" strike="noStrike" kern="1200" baseline="0">
                     <a:solidFill>
                       <a:schemeClr val="tx1"/>
                     </a:solidFill>
@@ -785,6 +830,29 @@
           </c:spPr>
           <c:invertIfNegative val="0"/>
           <c:dLbls>
+            <c:dLbl>
+              <c:idx val="0"/>
+              <c:layout>
+                <c:manualLayout>
+                  <c:x val="-7.7160493827160637E-3"/>
+                  <c:y val="0"/>
+                </c:manualLayout>
+              </c:layout>
+              <c:showLegendKey val="0"/>
+              <c:showVal val="1"/>
+              <c:showCatName val="0"/>
+              <c:showSerName val="0"/>
+              <c:showPercent val="0"/>
+              <c:showBubbleSize val="0"/>
+              <c:extLst>
+                <c:ext xmlns:c15="http://schemas.microsoft.com/office/drawing/2012/chart" uri="{CE6537A1-D6FC-4f65-9D91-7224C49458BB}">
+                  <c15:layout/>
+                </c:ext>
+                <c:ext xmlns:c16="http://schemas.microsoft.com/office/drawing/2014/chart" uri="{C3380CC4-5D6E-409C-BE32-E72D297353CC}">
+                  <c16:uniqueId val="{00000002-E357-4B9F-BFDC-A39EF3F7C002}"/>
+                </c:ext>
+              </c:extLst>
+            </c:dLbl>
             <c:spPr>
               <a:noFill/>
               <a:ln>
@@ -797,7 +865,7 @@
               <a:lstStyle/>
               <a:p>
                 <a:pPr>
-                  <a:defRPr sz="1197" b="0" i="0" u="none" strike="noStrike" kern="1200" baseline="0">
+                  <a:defRPr sz="1400" b="1" i="0" u="none" strike="noStrike" kern="1200" baseline="0">
                     <a:solidFill>
                       <a:schemeClr val="tx1"/>
                     </a:solidFill>
@@ -958,7 +1026,7 @@
               <a:lstStyle/>
               <a:p>
                 <a:pPr>
-                  <a:defRPr sz="1197" b="0" i="0" u="none" strike="noStrike" kern="1200" baseline="0">
+                  <a:defRPr sz="1400" b="1" i="0" u="none" strike="noStrike" kern="1200" baseline="0">
                     <a:solidFill>
                       <a:schemeClr val="tx1"/>
                     </a:solidFill>
@@ -1119,7 +1187,7 @@
               <a:lstStyle/>
               <a:p>
                 <a:pPr>
-                  <a:defRPr sz="1197" b="0" i="0" u="none" strike="noStrike" kern="1200" baseline="0">
+                  <a:defRPr sz="1400" b="1" i="0" u="none" strike="noStrike" kern="1200" baseline="0">
                     <a:solidFill>
                       <a:schemeClr val="tx1"/>
                     </a:solidFill>
@@ -1247,7 +1315,7 @@
           <a:lstStyle/>
           <a:p>
             <a:pPr>
-              <a:defRPr sz="1197" b="0" i="0" u="none" strike="noStrike" kern="1200" baseline="0">
+              <a:defRPr sz="1400" b="1" i="0" u="none" strike="noStrike" kern="1200" baseline="0">
                 <a:solidFill>
                   <a:schemeClr val="tx1"/>
                 </a:solidFill>
@@ -1305,7 +1373,7 @@
         <a:lstStyle/>
         <a:p>
           <a:pPr>
-            <a:defRPr sz="1197" b="0" i="0" u="none" strike="noStrike" kern="1200" baseline="0">
+            <a:defRPr sz="1400" b="1" i="0" u="none" strike="noStrike" kern="1200" baseline="0">
               <a:solidFill>
                 <a:schemeClr val="tx1"/>
               </a:solidFill>
@@ -1532,7 +1600,7 @@
               <a:lstStyle/>
               <a:p>
                 <a:pPr>
-                  <a:defRPr sz="1197" b="0" i="0" u="none" strike="noStrike" kern="1200" baseline="0">
+                  <a:defRPr sz="1400" b="1" i="0" u="none" strike="noStrike" kern="1200" baseline="0">
                     <a:solidFill>
                       <a:schemeClr val="tx1"/>
                     </a:solidFill>
@@ -1664,7 +1732,7 @@
           <a:lstStyle/>
           <a:p>
             <a:pPr>
-              <a:defRPr sz="1197" b="0" i="0" u="none" strike="noStrike" kern="1200" baseline="0">
+              <a:defRPr sz="1400" b="1" i="0" u="none" strike="noStrike" kern="1200" baseline="0">
                 <a:solidFill>
                   <a:schemeClr val="tx1"/>
                 </a:solidFill>
@@ -1903,7 +1971,7 @@
               <a:lstStyle/>
               <a:p>
                 <a:pPr>
-                  <a:defRPr sz="1197" b="0" i="0" u="none" strike="noStrike" kern="1200" baseline="0">
+                  <a:defRPr sz="1400" b="1" i="0" u="none" strike="noStrike" kern="1200" baseline="0">
                     <a:solidFill>
                       <a:schemeClr val="tx1"/>
                     </a:solidFill>
@@ -2021,7 +2089,7 @@
           </c:val>
           <c:extLst>
             <c:ext xmlns:c16="http://schemas.microsoft.com/office/drawing/2014/chart" uri="{C3380CC4-5D6E-409C-BE32-E72D297353CC}">
-              <c16:uniqueId val="{00000000-5B4A-4823-BD9B-1B6E61ACEAFE}"/>
+              <c16:uniqueId val="{00000000-ED12-4B8A-AFD7-3F7A43BA086F}"/>
             </c:ext>
           </c:extLst>
         </c:ser>
@@ -2066,7 +2134,7 @@
           <a:lstStyle/>
           <a:p>
             <a:pPr>
-              <a:defRPr sz="1197" b="0" i="0" u="none" strike="noStrike" kern="1200" baseline="0">
+              <a:defRPr sz="1100" b="1" i="0" u="none" strike="noStrike" kern="1200" baseline="0">
                 <a:solidFill>
                   <a:schemeClr val="tx1"/>
                 </a:solidFill>
@@ -2180,11 +2248,7 @@
             </a:pPr>
             <a:r>
               <a:rPr lang="pt-BR" baseline="0" dirty="0" smtClean="0"/>
-              <a:t>UFs com concentração de alunos negros (em </a:t>
-            </a:r>
-            <a:r>
-              <a:rPr lang="pt-BR" baseline="0" dirty="0" smtClean="0"/>
-              <a:t>milhares)</a:t>
+              <a:t>UFs com concentração de alunos negros (em milhares)</a:t>
             </a:r>
             <a:endParaRPr lang="pt-BR" dirty="0"/>
           </a:p>
@@ -2305,7 +2369,7 @@
               <a:lstStyle/>
               <a:p>
                 <a:pPr>
-                  <a:defRPr sz="1197" b="0" i="0" u="none" strike="noStrike" kern="1200" baseline="0">
+                  <a:defRPr sz="1400" b="1" i="0" u="none" strike="noStrike" kern="1200" baseline="0">
                     <a:solidFill>
                       <a:schemeClr val="tx1"/>
                     </a:solidFill>
@@ -2468,7 +2532,7 @@
           <a:lstStyle/>
           <a:p>
             <a:pPr>
-              <a:defRPr sz="1197" b="0" i="0" u="none" strike="noStrike" kern="1200" baseline="0">
+              <a:defRPr sz="1400" b="1" i="0" u="none" strike="noStrike" kern="1200" baseline="0">
                 <a:solidFill>
                   <a:schemeClr val="tx1"/>
                 </a:solidFill>
@@ -2729,7 +2793,7 @@
               <a:lstStyle/>
               <a:p>
                 <a:pPr>
-                  <a:defRPr sz="1197" b="0" i="0" u="none" strike="noStrike" kern="1200" baseline="0">
+                  <a:defRPr sz="1400" b="1" i="0" u="none" strike="noStrike" kern="1200" baseline="0">
                     <a:solidFill>
                       <a:schemeClr val="tx1"/>
                     </a:solidFill>
@@ -2861,7 +2925,7 @@
           <a:lstStyle/>
           <a:p>
             <a:pPr>
-              <a:defRPr sz="1197" b="0" i="0" u="none" strike="noStrike" kern="1200" baseline="0">
+              <a:defRPr sz="1400" b="1" i="0" u="none" strike="noStrike" kern="1200" baseline="0">
                 <a:solidFill>
                   <a:schemeClr val="tx1"/>
                 </a:solidFill>
@@ -2975,19 +3039,11 @@
             </a:pPr>
             <a:r>
               <a:rPr lang="pt-BR" dirty="0" smtClean="0"/>
-              <a:t>Alunos por </a:t>
-            </a:r>
-            <a:r>
-              <a:rPr lang="pt-BR" dirty="0" smtClean="0"/>
-              <a:t>zona residencial</a:t>
+              <a:t>Alunos por zona residencial</a:t>
             </a:r>
             <a:r>
               <a:rPr lang="pt-BR" baseline="0" dirty="0" smtClean="0"/>
-              <a:t> </a:t>
-            </a:r>
-            <a:r>
-              <a:rPr lang="pt-BR" baseline="0" dirty="0" smtClean="0"/>
-              <a:t>(em milhões)</a:t>
+              <a:t> (em milhões)</a:t>
             </a:r>
             <a:endParaRPr lang="pt-BR" dirty="0"/>
           </a:p>
@@ -3108,7 +3164,7 @@
               <a:lstStyle/>
               <a:p>
                 <a:pPr>
-                  <a:defRPr sz="1197" b="0" i="0" u="none" strike="noStrike" kern="1200" baseline="0">
+                  <a:defRPr sz="1400" b="1" i="0" u="none" strike="noStrike" kern="1200" baseline="0">
                     <a:solidFill>
                       <a:schemeClr val="tx1"/>
                     </a:solidFill>
@@ -3269,7 +3325,7 @@
               <a:lstStyle/>
               <a:p>
                 <a:pPr>
-                  <a:defRPr sz="1197" b="0" i="0" u="none" strike="noStrike" kern="1200" baseline="0">
+                  <a:defRPr sz="1400" b="1" i="0" u="none" strike="noStrike" kern="1200" baseline="0">
                     <a:solidFill>
                       <a:schemeClr val="tx1"/>
                     </a:solidFill>
@@ -3397,7 +3453,7 @@
           <a:lstStyle/>
           <a:p>
             <a:pPr>
-              <a:defRPr sz="1197" b="0" i="0" u="none" strike="noStrike" kern="1200" baseline="0">
+              <a:defRPr sz="1400" b="1" i="0" u="none" strike="noStrike" kern="1200" baseline="0">
                 <a:solidFill>
                   <a:schemeClr val="tx1"/>
                 </a:solidFill>
@@ -3455,7 +3511,7 @@
         <a:lstStyle/>
         <a:p>
           <a:pPr>
-            <a:defRPr sz="1197" b="0" i="0" u="none" strike="noStrike" kern="1200" baseline="0">
+            <a:defRPr sz="1400" b="1" i="0" u="none" strike="noStrike" kern="1200" baseline="0">
               <a:solidFill>
                 <a:schemeClr val="tx1"/>
               </a:solidFill>
@@ -6799,7 +6855,7 @@
           <a:p>
             <a:fld id="{892BBDE4-B257-4B28-AF9B-80911A110866}" type="datetimeFigureOut">
               <a:rPr lang="pt-BR" smtClean="0"/>
-              <a:t>09/12/2019</a:t>
+              <a:t>10/12/2019</a:t>
             </a:fld>
             <a:endParaRPr lang="pt-BR"/>
           </a:p>
@@ -9532,7 +9588,7 @@
           <a:p>
             <a:fld id="{5608231A-01C7-43A8-9F27-B8568746F2D0}" type="datetime1">
               <a:rPr lang="pt-BR" smtClean="0"/>
-              <a:t>09/12/2019</a:t>
+              <a:t>10/12/2019</a:t>
             </a:fld>
             <a:endParaRPr lang="pt-BR"/>
           </a:p>
@@ -9702,7 +9758,7 @@
           <a:p>
             <a:fld id="{CA90437F-4746-41D5-875E-3EDF8407A153}" type="datetime1">
               <a:rPr lang="pt-BR" smtClean="0"/>
-              <a:t>09/12/2019</a:t>
+              <a:t>10/12/2019</a:t>
             </a:fld>
             <a:endParaRPr lang="pt-BR"/>
           </a:p>
@@ -9882,7 +9938,7 @@
           <a:p>
             <a:fld id="{C9BABADB-CEE7-4513-85C6-02AC753FE149}" type="datetime1">
               <a:rPr lang="pt-BR" smtClean="0"/>
-              <a:t>09/12/2019</a:t>
+              <a:t>10/12/2019</a:t>
             </a:fld>
             <a:endParaRPr lang="pt-BR"/>
           </a:p>
@@ -10052,7 +10108,7 @@
           <a:p>
             <a:fld id="{4E8CA431-1949-4491-8E05-D347E3C74D10}" type="datetime1">
               <a:rPr lang="pt-BR" smtClean="0"/>
-              <a:t>09/12/2019</a:t>
+              <a:t>10/12/2019</a:t>
             </a:fld>
             <a:endParaRPr lang="pt-BR"/>
           </a:p>
@@ -10298,7 +10354,7 @@
           <a:p>
             <a:fld id="{2E967C8F-DAFF-4C6C-A210-F26CDA289138}" type="datetime1">
               <a:rPr lang="pt-BR" smtClean="0"/>
-              <a:t>09/12/2019</a:t>
+              <a:t>10/12/2019</a:t>
             </a:fld>
             <a:endParaRPr lang="pt-BR"/>
           </a:p>
@@ -10586,7 +10642,7 @@
           <a:p>
             <a:fld id="{72FA03A6-FA3E-4FD5-BDA2-C2E2A7B9D603}" type="datetime1">
               <a:rPr lang="pt-BR" smtClean="0"/>
-              <a:t>09/12/2019</a:t>
+              <a:t>10/12/2019</a:t>
             </a:fld>
             <a:endParaRPr lang="pt-BR"/>
           </a:p>
@@ -11008,7 +11064,7 @@
           <a:p>
             <a:fld id="{9952EAC6-DEB8-400E-A784-4E74099B4BB6}" type="datetime1">
               <a:rPr lang="pt-BR" smtClean="0"/>
-              <a:t>09/12/2019</a:t>
+              <a:t>10/12/2019</a:t>
             </a:fld>
             <a:endParaRPr lang="pt-BR"/>
           </a:p>
@@ -11126,7 +11182,7 @@
           <a:p>
             <a:fld id="{FC7B5247-18B5-42C5-B49D-DD105872AB72}" type="datetime1">
               <a:rPr lang="pt-BR" smtClean="0"/>
-              <a:t>09/12/2019</a:t>
+              <a:t>10/12/2019</a:t>
             </a:fld>
             <a:endParaRPr lang="pt-BR"/>
           </a:p>
@@ -11221,7 +11277,7 @@
           <a:p>
             <a:fld id="{F67A856F-47A2-47FE-8E15-AFCA9D099C04}" type="datetime1">
               <a:rPr lang="pt-BR" smtClean="0"/>
-              <a:t>09/12/2019</a:t>
+              <a:t>10/12/2019</a:t>
             </a:fld>
             <a:endParaRPr lang="pt-BR"/>
           </a:p>
@@ -11498,7 +11554,7 @@
           <a:p>
             <a:fld id="{A6FAD85C-2C24-4C92-B3DE-64369A769FDA}" type="datetime1">
               <a:rPr lang="pt-BR" smtClean="0"/>
-              <a:t>09/12/2019</a:t>
+              <a:t>10/12/2019</a:t>
             </a:fld>
             <a:endParaRPr lang="pt-BR"/>
           </a:p>
@@ -11751,7 +11807,7 @@
           <a:p>
             <a:fld id="{0CD11CC5-01CD-4AA9-8FD2-35C2BF59A90E}" type="datetime1">
               <a:rPr lang="pt-BR" smtClean="0"/>
-              <a:t>09/12/2019</a:t>
+              <a:t>10/12/2019</a:t>
             </a:fld>
             <a:endParaRPr lang="pt-BR"/>
           </a:p>
@@ -11985,7 +12041,7 @@
           <a:p>
             <a:fld id="{C58C9F72-14F3-4865-972A-67D71CFBAA47}" type="datetime1">
               <a:rPr lang="pt-BR" smtClean="0"/>
-              <a:t>09/12/2019</a:t>
+              <a:t>10/12/2019</a:t>
             </a:fld>
             <a:endParaRPr lang="pt-BR"/>
           </a:p>
@@ -12793,7 +12849,7 @@
         </p:nvSpPr>
         <p:spPr>
           <a:xfrm>
-            <a:off x="452611" y="332656"/>
+            <a:off x="452611" y="426641"/>
             <a:ext cx="8229600" cy="792088"/>
           </a:xfrm>
         </p:spPr>
@@ -12805,11 +12861,7 @@
           <a:p>
             <a:r>
               <a:rPr lang="pt-BR" sz="2800" dirty="0" smtClean="0"/>
-              <a:t>Embasamento </a:t>
-            </a:r>
-            <a:r>
-              <a:rPr lang="pt-BR" sz="2800" dirty="0" smtClean="0"/>
-              <a:t>teórico</a:t>
+              <a:t>Embasamento teórico</a:t>
             </a:r>
             <a:endParaRPr lang="pt-BR" sz="2800" dirty="0"/>
           </a:p>
@@ -12827,7 +12879,7 @@
         </p:nvSpPr>
         <p:spPr>
           <a:xfrm>
-            <a:off x="3131840" y="2715394"/>
+            <a:off x="3158725" y="3767489"/>
             <a:ext cx="4320480" cy="614264"/>
           </a:xfrm>
         </p:spPr>
@@ -12842,15 +12894,7 @@
             </a:pPr>
             <a:r>
               <a:rPr lang="en-US" dirty="0" smtClean="0"/>
-              <a:t>Pentaho </a:t>
-            </a:r>
-            <a:r>
-              <a:rPr lang="en-US" dirty="0" smtClean="0"/>
-              <a:t>Data </a:t>
-            </a:r>
-            <a:r>
-              <a:rPr lang="en-US" dirty="0" smtClean="0"/>
-              <a:t>Integrator</a:t>
+              <a:t>Pentaho Data Integrator</a:t>
             </a:r>
             <a:endParaRPr lang="pt-BR" dirty="0" smtClean="0"/>
           </a:p>
@@ -12888,7 +12932,7 @@
           <p:nvPr/>
         </p:nvPicPr>
         <p:blipFill>
-          <a:blip r:embed="rId5">
+          <a:blip r:embed="rId5" cstate="print">
             <a:extLst>
               <a:ext uri="{28A0092B-C50C-407E-A947-70E740481C1C}">
                 <a14:useLocalDpi xmlns:a14="http://schemas.microsoft.com/office/drawing/2010/main" val="0"/>
@@ -12901,12 +12945,19 @@
         </p:blipFill>
         <p:spPr>
           <a:xfrm>
-            <a:off x="971600" y="2132856"/>
-            <a:ext cx="1779340" cy="1779340"/>
+            <a:off x="2078605" y="3291147"/>
+            <a:ext cx="1080120" cy="1080120"/>
           </a:xfrm>
           <a:prstGeom prst="rect">
             <a:avLst/>
           </a:prstGeom>
+          <a:effectLst>
+            <a:outerShdw blurRad="50800" dist="38100" dir="5400000" algn="t" rotWithShape="0">
+              <a:prstClr val="black">
+                <a:alpha val="40000"/>
+              </a:prstClr>
+            </a:outerShdw>
+          </a:effectLst>
         </p:spPr>
       </p:pic>
       <p:pic>
@@ -12918,7 +12969,7 @@
           <p:nvPr/>
         </p:nvPicPr>
         <p:blipFill>
-          <a:blip r:embed="rId6">
+          <a:blip r:embed="rId6" cstate="print">
             <a:extLst>
               <a:ext uri="{28A0092B-C50C-407E-A947-70E740481C1C}">
                 <a14:useLocalDpi xmlns:a14="http://schemas.microsoft.com/office/drawing/2010/main" val="0"/>
@@ -12931,12 +12982,19 @@
         </p:blipFill>
         <p:spPr>
           <a:xfrm>
-            <a:off x="451495" y="4589971"/>
-            <a:ext cx="3114903" cy="1635324"/>
+            <a:off x="1673239" y="5013176"/>
+            <a:ext cx="1890852" cy="992697"/>
           </a:xfrm>
           <a:prstGeom prst="rect">
             <a:avLst/>
           </a:prstGeom>
+          <a:effectLst>
+            <a:outerShdw blurRad="50800" dist="38100" dir="5400000" algn="t" rotWithShape="0">
+              <a:prstClr val="black">
+                <a:alpha val="40000"/>
+              </a:prstClr>
+            </a:outerShdw>
+          </a:effectLst>
         </p:spPr>
       </p:pic>
       <p:sp>
@@ -12947,7 +13005,7 @@
         </p:nvSpPr>
         <p:spPr>
           <a:xfrm>
-            <a:off x="3564091" y="5146023"/>
+            <a:off x="3564091" y="5107441"/>
             <a:ext cx="3024336" cy="523220"/>
           </a:xfrm>
           <a:prstGeom prst="rect">
@@ -12977,7 +13035,7 @@
         </p:nvSpPr>
         <p:spPr>
           <a:xfrm>
-            <a:off x="1861270" y="1367190"/>
+            <a:off x="1867111" y="1518412"/>
             <a:ext cx="5400600" cy="523220"/>
           </a:xfrm>
           <a:prstGeom prst="rect">
@@ -13049,7 +13107,7 @@
         </p:nvSpPr>
         <p:spPr>
           <a:xfrm>
-            <a:off x="443086" y="188640"/>
+            <a:off x="443086" y="404664"/>
             <a:ext cx="8229600" cy="792088"/>
           </a:xfrm>
         </p:spPr>
@@ -13061,15 +13119,7 @@
           <a:p>
             <a:r>
               <a:rPr lang="pt-BR" sz="2800" dirty="0" smtClean="0"/>
-              <a:t>Estudo de </a:t>
-            </a:r>
-            <a:r>
-              <a:rPr lang="pt-BR" sz="2800" dirty="0" smtClean="0"/>
-              <a:t>caso</a:t>
-            </a:r>
-            <a:r>
-              <a:rPr lang="pt-BR" sz="2800" dirty="0" smtClean="0"/>
-              <a:t>: MEC e INEP</a:t>
+              <a:t>Estudo de caso: MEC e INEP</a:t>
             </a:r>
             <a:endParaRPr lang="pt-BR" sz="2800" dirty="0"/>
           </a:p>
@@ -13087,7 +13137,7 @@
         </p:nvSpPr>
         <p:spPr>
           <a:xfrm>
-            <a:off x="443086" y="1592796"/>
+            <a:off x="443086" y="1484784"/>
             <a:ext cx="8229600" cy="4151486"/>
           </a:xfrm>
         </p:spPr>
@@ -13108,19 +13158,7 @@
             </a:r>
             <a:r>
               <a:rPr lang="pt-BR" sz="2800" dirty="0" smtClean="0"/>
-              <a:t>Início </a:t>
-            </a:r>
-            <a:r>
-              <a:rPr lang="pt-BR" sz="2800" dirty="0" smtClean="0"/>
-              <a:t>em 1930 – Ministério dos Negócios da Educação e Saúde </a:t>
-            </a:r>
-            <a:r>
-              <a:rPr lang="pt-BR" sz="2800" dirty="0" smtClean="0"/>
-              <a:t>Pública; 1995 </a:t>
-            </a:r>
-            <a:r>
-              <a:rPr lang="pt-BR" sz="2800" dirty="0" smtClean="0"/>
-              <a:t>– criou-se o </a:t>
+              <a:t>Início em 1930 – Ministério dos Negócios da Educação e Saúde Pública; 1995 – criou-se o </a:t>
             </a:r>
             <a:r>
               <a:rPr lang="pt-BR" sz="2800" dirty="0"/>
@@ -13128,11 +13166,7 @@
             </a:r>
             <a:r>
               <a:rPr lang="pt-BR" sz="2800" dirty="0" smtClean="0"/>
-              <a:t>Cultura (MEC</a:t>
-            </a:r>
-            <a:r>
-              <a:rPr lang="pt-BR" sz="2800" dirty="0" smtClean="0"/>
-              <a:t>).</a:t>
+              <a:t>Cultura (MEC).</a:t>
             </a:r>
           </a:p>
           <a:p>
@@ -13155,23 +13189,7 @@
             </a:r>
             <a:r>
               <a:rPr lang="pt-BR" sz="2800" dirty="0" smtClean="0"/>
-              <a:t>Criado </a:t>
-            </a:r>
-            <a:r>
-              <a:rPr lang="pt-BR" sz="2800" dirty="0"/>
-              <a:t>em 13 de janeiro de </a:t>
-            </a:r>
-            <a:r>
-              <a:rPr lang="pt-BR" sz="2800" dirty="0" smtClean="0"/>
-              <a:t>1937; 1938 </a:t>
-            </a:r>
-            <a:r>
-              <a:rPr lang="pt-BR" sz="2800" dirty="0" smtClean="0"/>
-              <a:t>– início dos </a:t>
-            </a:r>
-            <a:r>
-              <a:rPr lang="pt-BR" sz="2800" dirty="0" smtClean="0"/>
-              <a:t>trabalhos; Decreto-Lei nº 580;</a:t>
+              <a:t>Criado em 13 de janeiro de 1937; 1938 – início dos trabalhos; Decreto-Lei nº 580;</a:t>
             </a:r>
             <a:endParaRPr lang="pt-BR" sz="2800" dirty="0" smtClean="0"/>
           </a:p>
@@ -13249,8 +13267,8 @@
         </p:nvSpPr>
         <p:spPr>
           <a:xfrm>
-            <a:off x="475481" y="116632"/>
-            <a:ext cx="8229600" cy="792088"/>
+            <a:off x="475481" y="476672"/>
+            <a:ext cx="8229600" cy="773288"/>
           </a:xfrm>
         </p:spPr>
         <p:txBody>
@@ -13279,7 +13297,7 @@
         </p:nvSpPr>
         <p:spPr>
           <a:xfrm>
-            <a:off x="303709" y="980728"/>
+            <a:off x="303709" y="1509167"/>
             <a:ext cx="8401372" cy="648072"/>
           </a:xfrm>
         </p:spPr>
@@ -13339,7 +13357,7 @@
         </p:nvSpPr>
         <p:spPr>
           <a:xfrm>
-            <a:off x="475481" y="1700808"/>
+            <a:off x="475481" y="2204864"/>
             <a:ext cx="8229600" cy="3970318"/>
           </a:xfrm>
           <a:prstGeom prst="rect">
@@ -13665,7 +13683,6 @@
               <a:rPr lang="pt-BR" sz="2800" dirty="0" smtClean="0"/>
               <a:t>Abordagem Kimball x Inmon</a:t>
             </a:r>
-            <a:endParaRPr lang="pt-BR" sz="2800" dirty="0" smtClean="0"/>
           </a:p>
         </p:txBody>
       </p:sp>
@@ -13826,7 +13843,6 @@
               <a:rPr lang="pt-BR" sz="2800" dirty="0" smtClean="0"/>
               <a:t>Neve</a:t>
             </a:r>
-            <a:endParaRPr lang="pt-BR" sz="2800" dirty="0" smtClean="0"/>
           </a:p>
         </p:txBody>
       </p:sp>
@@ -14026,7 +14042,6 @@
               <a:rPr lang="pt-BR" sz="2800" dirty="0" smtClean="0"/>
               <a:t>Neve</a:t>
             </a:r>
-            <a:endParaRPr lang="pt-BR" sz="2800" dirty="0" smtClean="0"/>
           </a:p>
         </p:txBody>
       </p:sp>
@@ -14293,8 +14308,8 @@
         </p:nvSpPr>
         <p:spPr>
           <a:xfrm>
-            <a:off x="457200" y="116632"/>
-            <a:ext cx="8229600" cy="792088"/>
+            <a:off x="0" y="0"/>
+            <a:ext cx="9144000" cy="1196752"/>
           </a:xfrm>
         </p:spPr>
         <p:txBody>
@@ -14376,39 +14391,6 @@
               <a:rPr lang="pt-BR" smtClean="0"/>
               <a:t>18</a:t>
             </a:fld>
-            <a:endParaRPr lang="pt-BR"/>
-          </a:p>
-        </p:txBody>
-      </p:sp>
-      <p:sp>
-        <p:nvSpPr>
-          <p:cNvPr id="3" name="CaixaDeTexto 2"/>
-          <p:cNvSpPr txBox="1"/>
-          <p:nvPr/>
-        </p:nvSpPr>
-        <p:spPr>
-          <a:xfrm>
-            <a:off x="457200" y="905235"/>
-            <a:ext cx="8229600" cy="1231106"/>
-          </a:xfrm>
-          <a:prstGeom prst="rect">
-            <a:avLst/>
-          </a:prstGeom>
-          <a:noFill/>
-        </p:spPr>
-        <p:txBody>
-          <a:bodyPr wrap="square" rtlCol="0">
-            <a:spAutoFit/>
-          </a:bodyPr>
-          <a:lstStyle/>
-          <a:p>
-            <a:pPr lvl="0" algn="ctr"/>
-            <a:r>
-              <a:rPr lang="pt-BR" sz="2800" dirty="0"/>
-              <a:t>Qual o total de alunos por cada Cor/Raça definida pelo Censo Escolar entre os anos da análise?</a:t>
-            </a:r>
-          </a:p>
-          <a:p>
             <a:endParaRPr lang="pt-BR" dirty="0"/>
           </a:p>
         </p:txBody>
@@ -14420,13 +14402,13 @@
           <p:nvPr>
             <p:extLst>
               <p:ext uri="{D42A27DB-BD31-4B8C-83A1-F6EECF244321}">
-                <p14:modId xmlns:p14="http://schemas.microsoft.com/office/powerpoint/2010/main" val="3135061005"/>
+                <p14:modId xmlns:p14="http://schemas.microsoft.com/office/powerpoint/2010/main" val="138159838"/>
               </p:ext>
             </p:extLst>
           </p:nvPr>
         </p:nvGraphicFramePr>
         <p:xfrm>
-          <a:off x="457200" y="1844824"/>
+          <a:off x="457200" y="1196752"/>
           <a:ext cx="8229600" cy="4511526"/>
         </p:xfrm>
         <a:graphic>
@@ -14484,8 +14466,8 @@
         </p:nvSpPr>
         <p:spPr>
           <a:xfrm>
-            <a:off x="611560" y="116632"/>
-            <a:ext cx="8229600" cy="792088"/>
+            <a:off x="0" y="0"/>
+            <a:ext cx="9144000" cy="1196752"/>
           </a:xfrm>
         </p:spPr>
         <p:txBody>
@@ -14496,15 +14478,7 @@
           <a:p>
             <a:r>
               <a:rPr lang="pt-BR" sz="2800" dirty="0" smtClean="0"/>
-              <a:t>Resultados </a:t>
-            </a:r>
-            <a:r>
-              <a:rPr lang="pt-BR" sz="2800" dirty="0" smtClean="0"/>
-              <a:t>d</a:t>
-            </a:r>
-            <a:r>
-              <a:rPr lang="pt-BR" sz="2800" dirty="0" smtClean="0"/>
-              <a:t>a </a:t>
+              <a:t>Resultados da </a:t>
             </a:r>
             <a:r>
               <a:rPr lang="pt-BR" sz="2800" dirty="0"/>
@@ -14541,41 +14515,6 @@
           </a:p>
         </p:txBody>
       </p:sp>
-      <p:sp>
-        <p:nvSpPr>
-          <p:cNvPr id="3" name="CaixaDeTexto 2"/>
-          <p:cNvSpPr txBox="1"/>
-          <p:nvPr/>
-        </p:nvSpPr>
-        <p:spPr>
-          <a:xfrm>
-            <a:off x="457200" y="969569"/>
-            <a:ext cx="8229600" cy="523220"/>
-          </a:xfrm>
-          <a:prstGeom prst="rect">
-            <a:avLst/>
-          </a:prstGeom>
-          <a:noFill/>
-        </p:spPr>
-        <p:txBody>
-          <a:bodyPr wrap="square" rtlCol="0">
-            <a:spAutoFit/>
-          </a:bodyPr>
-          <a:lstStyle/>
-          <a:p>
-            <a:pPr lvl="0" algn="ctr"/>
-            <a:r>
-              <a:rPr lang="pt-BR" sz="2800" dirty="0"/>
-              <a:t>Qual o total de alunos que se declararam </a:t>
-            </a:r>
-            <a:r>
-              <a:rPr lang="pt-BR" sz="2800" dirty="0" smtClean="0"/>
-              <a:t>negros?</a:t>
-            </a:r>
-            <a:endParaRPr lang="pt-BR" sz="2800" dirty="0"/>
-          </a:p>
-        </p:txBody>
-      </p:sp>
       <p:graphicFrame>
         <p:nvGraphicFramePr>
           <p:cNvPr id="11" name="Gráfico 10"/>
@@ -14583,13 +14522,13 @@
           <p:nvPr>
             <p:extLst>
               <p:ext uri="{D42A27DB-BD31-4B8C-83A1-F6EECF244321}">
-                <p14:modId xmlns:p14="http://schemas.microsoft.com/office/powerpoint/2010/main" val="3781202432"/>
+                <p14:modId xmlns:p14="http://schemas.microsoft.com/office/powerpoint/2010/main" val="649254029"/>
               </p:ext>
             </p:extLst>
           </p:nvPr>
         </p:nvGraphicFramePr>
         <p:xfrm>
-          <a:off x="457200" y="1668806"/>
+          <a:off x="475261" y="1196752"/>
           <a:ext cx="8229600" cy="4687544"/>
         </p:xfrm>
         <a:graphic>
@@ -14647,7 +14586,7 @@
         </p:nvSpPr>
         <p:spPr>
           <a:xfrm>
-            <a:off x="457200" y="878570"/>
+            <a:off x="457200" y="692696"/>
             <a:ext cx="8229600" cy="792088"/>
           </a:xfrm>
         </p:spPr>
@@ -14690,15 +14629,7 @@
             <a:pPr algn="just"/>
             <a:r>
               <a:rPr lang="pt-BR" sz="2800" dirty="0" smtClean="0"/>
-              <a:t>Princípio </a:t>
-            </a:r>
-            <a:r>
-              <a:rPr lang="pt-BR" sz="2800" dirty="0" smtClean="0"/>
-              <a:t>da transparência na Administração Pública previstas no Art. 37 da Constituição Federal de 1988</a:t>
-            </a:r>
-            <a:r>
-              <a:rPr lang="pt-BR" sz="2800" dirty="0" smtClean="0"/>
-              <a:t>;</a:t>
+              <a:t>Princípio da transparência na Administração Pública previstas no Art. 37 da Constituição Federal de 1988;</a:t>
             </a:r>
           </a:p>
           <a:p>
@@ -14719,11 +14650,7 @@
             </a:r>
             <a:r>
               <a:rPr lang="pt-BR" sz="2800" dirty="0" smtClean="0"/>
-              <a:t>brasileira</a:t>
-            </a:r>
-            <a:r>
-              <a:rPr lang="pt-BR" sz="2800" dirty="0" smtClean="0"/>
-              <a:t>;</a:t>
+              <a:t>brasileira;</a:t>
             </a:r>
           </a:p>
           <a:p>
@@ -14752,11 +14679,7 @@
             </a:r>
             <a:r>
               <a:rPr lang="pt-BR" sz="2800" dirty="0" smtClean="0"/>
-              <a:t>dados</a:t>
-            </a:r>
-            <a:r>
-              <a:rPr lang="pt-BR" sz="2800" dirty="0" smtClean="0"/>
-              <a:t>.</a:t>
+              <a:t>dados.</a:t>
             </a:r>
             <a:endParaRPr lang="pt-BR" sz="2800" dirty="0"/>
           </a:p>
@@ -14822,68 +14745,6 @@
           <a:chExt cx="0" cy="0"/>
         </a:xfrm>
       </p:grpSpPr>
-      <p:sp>
-        <p:nvSpPr>
-          <p:cNvPr id="2" name="Título 1"/>
-          <p:cNvSpPr txBox="1">
-            <a:spLocks/>
-          </p:cNvSpPr>
-          <p:nvPr/>
-        </p:nvSpPr>
-        <p:spPr>
-          <a:xfrm>
-            <a:off x="457200" y="188640"/>
-            <a:ext cx="8229600" cy="504056"/>
-          </a:xfrm>
-          <a:prstGeom prst="rect">
-            <a:avLst/>
-          </a:prstGeom>
-        </p:spPr>
-        <p:txBody>
-          <a:bodyPr>
-            <a:normAutofit lnSpcReduction="10000"/>
-          </a:bodyPr>
-          <a:lstStyle>
-            <a:lvl1pPr algn="ctr" defTabSz="914400" rtl="0" eaLnBrk="1" latinLnBrk="0" hangingPunct="1">
-              <a:spcBef>
-                <a:spcPct val="0"/>
-              </a:spcBef>
-              <a:buNone/>
-              <a:defRPr sz="4400" kern="1200">
-                <a:solidFill>
-                  <a:schemeClr val="tx1"/>
-                </a:solidFill>
-                <a:latin typeface="+mj-lt"/>
-                <a:ea typeface="+mj-ea"/>
-                <a:cs typeface="+mj-cs"/>
-              </a:defRPr>
-            </a:lvl1pPr>
-          </a:lstStyle>
-          <a:p>
-            <a:r>
-              <a:rPr lang="pt-BR" sz="2800" dirty="0" smtClean="0"/>
-              <a:t>Resultados </a:t>
-            </a:r>
-            <a:r>
-              <a:rPr lang="pt-BR" sz="2800" dirty="0"/>
-              <a:t>d</a:t>
-            </a:r>
-            <a:r>
-              <a:rPr lang="pt-BR" sz="2800" dirty="0" smtClean="0"/>
-              <a:t>a </a:t>
-            </a:r>
-            <a:r>
-              <a:rPr lang="pt-BR" sz="2800" dirty="0"/>
-              <a:t>a</a:t>
-            </a:r>
-            <a:r>
-              <a:rPr lang="pt-BR" sz="2800" dirty="0" smtClean="0"/>
-              <a:t>nálise</a:t>
-            </a:r>
-            <a:endParaRPr lang="pt-BR" sz="2800" dirty="0"/>
-          </a:p>
-        </p:txBody>
-      </p:sp>
       <p:sp>
         <p:nvSpPr>
           <p:cNvPr id="3" name="Espaço Reservado para Conteúdo 2"/>
@@ -15073,53 +14934,20 @@
           </a:p>
         </p:txBody>
       </p:sp>
-      <p:sp>
-        <p:nvSpPr>
-          <p:cNvPr id="8" name="CaixaDeTexto 7"/>
-          <p:cNvSpPr txBox="1"/>
-          <p:nvPr/>
-        </p:nvSpPr>
-        <p:spPr>
-          <a:xfrm>
-            <a:off x="457200" y="723122"/>
-            <a:ext cx="8229600" cy="1231106"/>
-          </a:xfrm>
-          <a:prstGeom prst="rect">
-            <a:avLst/>
-          </a:prstGeom>
-          <a:noFill/>
-        </p:spPr>
-        <p:txBody>
-          <a:bodyPr wrap="square" rtlCol="0">
-            <a:spAutoFit/>
-          </a:bodyPr>
-          <a:lstStyle/>
-          <a:p>
-            <a:pPr lvl="0" algn="ctr"/>
-            <a:r>
-              <a:rPr lang="pt-BR" sz="2800" dirty="0"/>
-              <a:t>Qual o país que possui a maior quantidade de alunos estrangeiros negros no Brasil entre os anos da análise?</a:t>
-            </a:r>
-          </a:p>
-          <a:p>
-            <a:endParaRPr lang="pt-BR" dirty="0"/>
-          </a:p>
-        </p:txBody>
-      </p:sp>
       <p:graphicFrame>
         <p:nvGraphicFramePr>
-          <p:cNvPr id="9" name="Gráfico 8"/>
+          <p:cNvPr id="11" name="Gráfico 10"/>
           <p:cNvGraphicFramePr/>
           <p:nvPr>
             <p:extLst>
               <p:ext uri="{D42A27DB-BD31-4B8C-83A1-F6EECF244321}">
-                <p14:modId xmlns:p14="http://schemas.microsoft.com/office/powerpoint/2010/main" val="4250329848"/>
+                <p14:modId xmlns:p14="http://schemas.microsoft.com/office/powerpoint/2010/main" val="3298449567"/>
               </p:ext>
             </p:extLst>
           </p:nvPr>
         </p:nvGraphicFramePr>
         <p:xfrm>
-          <a:off x="457201" y="1719506"/>
+          <a:off x="441049" y="1215450"/>
           <a:ext cx="8229600" cy="4636844"/>
         </p:xfrm>
         <a:graphic>
@@ -15128,6 +14956,55 @@
           </a:graphicData>
         </a:graphic>
       </p:graphicFrame>
+      <p:sp>
+        <p:nvSpPr>
+          <p:cNvPr id="13" name="Título 1"/>
+          <p:cNvSpPr txBox="1">
+            <a:spLocks/>
+          </p:cNvSpPr>
+          <p:nvPr/>
+        </p:nvSpPr>
+        <p:spPr>
+          <a:xfrm>
+            <a:off x="0" y="0"/>
+            <a:ext cx="9144000" cy="1196752"/>
+          </a:xfrm>
+          <a:prstGeom prst="rect">
+            <a:avLst/>
+          </a:prstGeom>
+        </p:spPr>
+        <p:txBody>
+          <a:bodyPr>
+            <a:normAutofit/>
+          </a:bodyPr>
+          <a:lstStyle>
+            <a:lvl1pPr algn="ctr" defTabSz="914400" rtl="0" eaLnBrk="1" latinLnBrk="0" hangingPunct="1">
+              <a:spcBef>
+                <a:spcPct val="0"/>
+              </a:spcBef>
+              <a:buNone/>
+              <a:defRPr sz="4400" kern="1200">
+                <a:solidFill>
+                  <a:schemeClr val="tx1"/>
+                </a:solidFill>
+                <a:latin typeface="+mj-lt"/>
+                <a:ea typeface="+mj-ea"/>
+                <a:cs typeface="+mj-cs"/>
+              </a:defRPr>
+            </a:lvl1pPr>
+          </a:lstStyle>
+          <a:p>
+            <a:endParaRPr lang="pt-BR" sz="2800" dirty="0" smtClean="0"/>
+          </a:p>
+          <a:p>
+            <a:r>
+              <a:rPr lang="pt-BR" sz="2800" dirty="0" smtClean="0"/>
+              <a:t>Resultados da análise</a:t>
+            </a:r>
+            <a:endParaRPr lang="pt-BR" sz="2800" dirty="0"/>
+          </a:p>
+        </p:txBody>
+      </p:sp>
     </p:spTree>
     <p:extLst>
       <p:ext uri="{BB962C8B-B14F-4D97-AF65-F5344CB8AC3E}">
@@ -15175,8 +15052,8 @@
         </p:nvSpPr>
         <p:spPr>
           <a:xfrm>
-            <a:off x="457200" y="116632"/>
-            <a:ext cx="8229600" cy="504056"/>
+            <a:off x="0" y="0"/>
+            <a:ext cx="9144000" cy="1196752"/>
           </a:xfrm>
           <a:prstGeom prst="rect">
             <a:avLst/>
@@ -15184,7 +15061,7 @@
         </p:spPr>
         <p:txBody>
           <a:bodyPr>
-            <a:normAutofit lnSpcReduction="10000"/>
+            <a:normAutofit/>
           </a:bodyPr>
           <a:lstStyle>
             <a:lvl1pPr algn="ctr" defTabSz="914400" rtl="0" eaLnBrk="1" latinLnBrk="0" hangingPunct="1">
@@ -15202,6 +15079,9 @@
               </a:defRPr>
             </a:lvl1pPr>
           </a:lstStyle>
+          <a:p>
+            <a:endParaRPr lang="pt-BR" sz="2800" dirty="0" smtClean="0"/>
+          </a:p>
           <a:p>
             <a:r>
               <a:rPr lang="pt-BR" sz="2800" dirty="0" smtClean="0"/>
@@ -15412,41 +15292,6 @@
           </a:p>
         </p:txBody>
       </p:sp>
-      <p:sp>
-        <p:nvSpPr>
-          <p:cNvPr id="8" name="CaixaDeTexto 7"/>
-          <p:cNvSpPr txBox="1"/>
-          <p:nvPr/>
-        </p:nvSpPr>
-        <p:spPr>
-          <a:xfrm>
-            <a:off x="457200" y="625277"/>
-            <a:ext cx="8229600" cy="954107"/>
-          </a:xfrm>
-          <a:prstGeom prst="rect">
-            <a:avLst/>
-          </a:prstGeom>
-          <a:noFill/>
-        </p:spPr>
-        <p:txBody>
-          <a:bodyPr wrap="square" rtlCol="0">
-            <a:spAutoFit/>
-          </a:bodyPr>
-          <a:lstStyle/>
-          <a:p>
-            <a:pPr lvl="0" algn="ctr"/>
-            <a:r>
-              <a:rPr lang="pt-BR" sz="2800" dirty="0"/>
-              <a:t>Qual a UF que possui a maior concentração de alunos estrangeiros negros</a:t>
-            </a:r>
-            <a:r>
-              <a:rPr lang="pt-BR" sz="2800" dirty="0" smtClean="0"/>
-              <a:t>?</a:t>
-            </a:r>
-            <a:endParaRPr lang="pt-BR" sz="2800" dirty="0"/>
-          </a:p>
-        </p:txBody>
-      </p:sp>
       <p:graphicFrame>
         <p:nvGraphicFramePr>
           <p:cNvPr id="9" name="Gráfico 8"/>
@@ -15454,14 +15299,14 @@
           <p:nvPr>
             <p:extLst>
               <p:ext uri="{D42A27DB-BD31-4B8C-83A1-F6EECF244321}">
-                <p14:modId xmlns:p14="http://schemas.microsoft.com/office/powerpoint/2010/main" val="2066927492"/>
+                <p14:modId xmlns:p14="http://schemas.microsoft.com/office/powerpoint/2010/main" val="1854526747"/>
               </p:ext>
             </p:extLst>
           </p:nvPr>
         </p:nvGraphicFramePr>
         <p:xfrm>
-          <a:off x="457200" y="1579383"/>
-          <a:ext cx="8229600" cy="4776967"/>
+          <a:off x="457200" y="1196752"/>
+          <a:ext cx="8229600" cy="5017969"/>
         </p:xfrm>
         <a:graphic>
           <a:graphicData uri="http://schemas.openxmlformats.org/drawingml/2006/chart">
@@ -15479,11 +15324,11 @@
   <p:clrMapOvr>
     <a:masterClrMapping/>
   </p:clrMapOvr>
-  <mc:AlternateContent xmlns:mc="http://schemas.openxmlformats.org/markup-compatibility/2006">
-    <mc:Choice xmlns:p14="http://schemas.microsoft.com/office/powerpoint/2010/main" Requires="p14">
+  <mc:AlternateContent xmlns:mc="http://schemas.openxmlformats.org/markup-compatibility/2006" xmlns:p14="http://schemas.microsoft.com/office/powerpoint/2010/main">
+    <mc:Choice Requires="p14">
       <p:transition spd="slow" p14:dur="2000"/>
     </mc:Choice>
-    <mc:Fallback>
+    <mc:Fallback xmlns="">
       <p:transition spd="slow"/>
     </mc:Fallback>
   </mc:AlternateContent>
@@ -15521,13 +15366,13 @@
           <p:nvPr>
             <p:extLst>
               <p:ext uri="{D42A27DB-BD31-4B8C-83A1-F6EECF244321}">
-                <p14:modId xmlns:p14="http://schemas.microsoft.com/office/powerpoint/2010/main" val="2710831725"/>
+                <p14:modId xmlns:p14="http://schemas.microsoft.com/office/powerpoint/2010/main" val="861976984"/>
               </p:ext>
             </p:extLst>
           </p:nvPr>
         </p:nvGraphicFramePr>
         <p:xfrm>
-          <a:off x="457200" y="1793813"/>
+          <a:off x="465469" y="1227695"/>
           <a:ext cx="8229600" cy="4562537"/>
         </p:xfrm>
         <a:graphic>
@@ -15546,8 +15391,8 @@
         </p:nvSpPr>
         <p:spPr>
           <a:xfrm>
-            <a:off x="457200" y="116632"/>
-            <a:ext cx="8229600" cy="544946"/>
+            <a:off x="0" y="-1"/>
+            <a:ext cx="9144000" cy="1227695"/>
           </a:xfrm>
           <a:prstGeom prst="rect">
             <a:avLst/>
@@ -15574,6 +15419,9 @@
             </a:lvl1pPr>
           </a:lstStyle>
           <a:p>
+            <a:endParaRPr lang="pt-BR" sz="2800" dirty="0" smtClean="0"/>
+          </a:p>
+          <a:p>
             <a:r>
               <a:rPr lang="pt-BR" sz="2800" dirty="0" smtClean="0"/>
               <a:t>Resultados </a:t>
@@ -15591,179 +15439,6 @@
               <a:t>nálise</a:t>
             </a:r>
             <a:endParaRPr lang="pt-BR" sz="2800" dirty="0"/>
-          </a:p>
-        </p:txBody>
-      </p:sp>
-      <p:sp>
-        <p:nvSpPr>
-          <p:cNvPr id="3" name="Espaço Reservado para Conteúdo 2"/>
-          <p:cNvSpPr txBox="1">
-            <a:spLocks/>
-          </p:cNvSpPr>
-          <p:nvPr/>
-        </p:nvSpPr>
-        <p:spPr>
-          <a:xfrm>
-            <a:off x="457200" y="687744"/>
-            <a:ext cx="8229600" cy="936104"/>
-          </a:xfrm>
-          <a:prstGeom prst="rect">
-            <a:avLst/>
-          </a:prstGeom>
-        </p:spPr>
-        <p:txBody>
-          <a:bodyPr>
-            <a:normAutofit lnSpcReduction="10000"/>
-          </a:bodyPr>
-          <a:lstStyle>
-            <a:lvl1pPr marL="342900" indent="-342900" algn="l" defTabSz="914400" rtl="0" eaLnBrk="1" latinLnBrk="0" hangingPunct="1">
-              <a:spcBef>
-                <a:spcPct val="20000"/>
-              </a:spcBef>
-              <a:buFont typeface="Arial" panose="020B0604020202020204" pitchFamily="34" charset="0"/>
-              <a:buChar char="•"/>
-              <a:defRPr sz="3200" kern="1200">
-                <a:solidFill>
-                  <a:schemeClr val="tx1"/>
-                </a:solidFill>
-                <a:latin typeface="+mn-lt"/>
-                <a:ea typeface="+mn-ea"/>
-                <a:cs typeface="+mn-cs"/>
-              </a:defRPr>
-            </a:lvl1pPr>
-            <a:lvl2pPr marL="742950" indent="-285750" algn="l" defTabSz="914400" rtl="0" eaLnBrk="1" latinLnBrk="0" hangingPunct="1">
-              <a:spcBef>
-                <a:spcPct val="20000"/>
-              </a:spcBef>
-              <a:buFont typeface="Arial" panose="020B0604020202020204" pitchFamily="34" charset="0"/>
-              <a:buChar char="–"/>
-              <a:defRPr sz="2800" kern="1200">
-                <a:solidFill>
-                  <a:schemeClr val="tx1"/>
-                </a:solidFill>
-                <a:latin typeface="+mn-lt"/>
-                <a:ea typeface="+mn-ea"/>
-                <a:cs typeface="+mn-cs"/>
-              </a:defRPr>
-            </a:lvl2pPr>
-            <a:lvl3pPr marL="1143000" indent="-228600" algn="l" defTabSz="914400" rtl="0" eaLnBrk="1" latinLnBrk="0" hangingPunct="1">
-              <a:spcBef>
-                <a:spcPct val="20000"/>
-              </a:spcBef>
-              <a:buFont typeface="Arial" panose="020B0604020202020204" pitchFamily="34" charset="0"/>
-              <a:buChar char="•"/>
-              <a:defRPr sz="2400" kern="1200">
-                <a:solidFill>
-                  <a:schemeClr val="tx1"/>
-                </a:solidFill>
-                <a:latin typeface="+mn-lt"/>
-                <a:ea typeface="+mn-ea"/>
-                <a:cs typeface="+mn-cs"/>
-              </a:defRPr>
-            </a:lvl3pPr>
-            <a:lvl4pPr marL="1600200" indent="-228600" algn="l" defTabSz="914400" rtl="0" eaLnBrk="1" latinLnBrk="0" hangingPunct="1">
-              <a:spcBef>
-                <a:spcPct val="20000"/>
-              </a:spcBef>
-              <a:buFont typeface="Arial" panose="020B0604020202020204" pitchFamily="34" charset="0"/>
-              <a:buChar char="–"/>
-              <a:defRPr sz="2000" kern="1200">
-                <a:solidFill>
-                  <a:schemeClr val="tx1"/>
-                </a:solidFill>
-                <a:latin typeface="+mn-lt"/>
-                <a:ea typeface="+mn-ea"/>
-                <a:cs typeface="+mn-cs"/>
-              </a:defRPr>
-            </a:lvl4pPr>
-            <a:lvl5pPr marL="2057400" indent="-228600" algn="l" defTabSz="914400" rtl="0" eaLnBrk="1" latinLnBrk="0" hangingPunct="1">
-              <a:spcBef>
-                <a:spcPct val="20000"/>
-              </a:spcBef>
-              <a:buFont typeface="Arial" panose="020B0604020202020204" pitchFamily="34" charset="0"/>
-              <a:buChar char="»"/>
-              <a:defRPr sz="2000" kern="1200">
-                <a:solidFill>
-                  <a:schemeClr val="tx1"/>
-                </a:solidFill>
-                <a:latin typeface="+mn-lt"/>
-                <a:ea typeface="+mn-ea"/>
-                <a:cs typeface="+mn-cs"/>
-              </a:defRPr>
-            </a:lvl5pPr>
-            <a:lvl6pPr marL="2514600" indent="-228600" algn="l" defTabSz="914400" rtl="0" eaLnBrk="1" latinLnBrk="0" hangingPunct="1">
-              <a:spcBef>
-                <a:spcPct val="20000"/>
-              </a:spcBef>
-              <a:buFont typeface="Arial" panose="020B0604020202020204" pitchFamily="34" charset="0"/>
-              <a:buChar char="•"/>
-              <a:defRPr sz="2000" kern="1200">
-                <a:solidFill>
-                  <a:schemeClr val="tx1"/>
-                </a:solidFill>
-                <a:latin typeface="+mn-lt"/>
-                <a:ea typeface="+mn-ea"/>
-                <a:cs typeface="+mn-cs"/>
-              </a:defRPr>
-            </a:lvl6pPr>
-            <a:lvl7pPr marL="2971800" indent="-228600" algn="l" defTabSz="914400" rtl="0" eaLnBrk="1" latinLnBrk="0" hangingPunct="1">
-              <a:spcBef>
-                <a:spcPct val="20000"/>
-              </a:spcBef>
-              <a:buFont typeface="Arial" panose="020B0604020202020204" pitchFamily="34" charset="0"/>
-              <a:buChar char="•"/>
-              <a:defRPr sz="2000" kern="1200">
-                <a:solidFill>
-                  <a:schemeClr val="tx1"/>
-                </a:solidFill>
-                <a:latin typeface="+mn-lt"/>
-                <a:ea typeface="+mn-ea"/>
-                <a:cs typeface="+mn-cs"/>
-              </a:defRPr>
-            </a:lvl7pPr>
-            <a:lvl8pPr marL="3429000" indent="-228600" algn="l" defTabSz="914400" rtl="0" eaLnBrk="1" latinLnBrk="0" hangingPunct="1">
-              <a:spcBef>
-                <a:spcPct val="20000"/>
-              </a:spcBef>
-              <a:buFont typeface="Arial" panose="020B0604020202020204" pitchFamily="34" charset="0"/>
-              <a:buChar char="•"/>
-              <a:defRPr sz="2000" kern="1200">
-                <a:solidFill>
-                  <a:schemeClr val="tx1"/>
-                </a:solidFill>
-                <a:latin typeface="+mn-lt"/>
-                <a:ea typeface="+mn-ea"/>
-                <a:cs typeface="+mn-cs"/>
-              </a:defRPr>
-            </a:lvl8pPr>
-            <a:lvl9pPr marL="3886200" indent="-228600" algn="l" defTabSz="914400" rtl="0" eaLnBrk="1" latinLnBrk="0" hangingPunct="1">
-              <a:spcBef>
-                <a:spcPct val="20000"/>
-              </a:spcBef>
-              <a:buFont typeface="Arial" panose="020B0604020202020204" pitchFamily="34" charset="0"/>
-              <a:buChar char="•"/>
-              <a:defRPr sz="2000" kern="1200">
-                <a:solidFill>
-                  <a:schemeClr val="tx1"/>
-                </a:solidFill>
-                <a:latin typeface="+mn-lt"/>
-                <a:ea typeface="+mn-ea"/>
-                <a:cs typeface="+mn-cs"/>
-              </a:defRPr>
-            </a:lvl9pPr>
-          </a:lstStyle>
-          <a:p>
-            <a:pPr marL="0" lvl="0" indent="0" algn="ctr">
-              <a:buNone/>
-            </a:pPr>
-            <a:r>
-              <a:rPr lang="pt-BR" sz="2800" dirty="0" smtClean="0"/>
-              <a:t>Qual </a:t>
-            </a:r>
-            <a:r>
-              <a:rPr lang="pt-BR" sz="2800" dirty="0"/>
-              <a:t>é a quantidade de alunos negros no Distrito Federal entre os anos da análise?</a:t>
-            </a:r>
           </a:p>
         </p:txBody>
       </p:sp>
@@ -15837,8 +15512,8 @@
         </p:nvSpPr>
         <p:spPr>
           <a:xfrm>
-            <a:off x="457200" y="116632"/>
-            <a:ext cx="8229600" cy="527571"/>
+            <a:off x="0" y="0"/>
+            <a:ext cx="9144000" cy="1210790"/>
           </a:xfrm>
           <a:prstGeom prst="rect">
             <a:avLst/>
@@ -15865,9 +15540,16 @@
             </a:lvl1pPr>
           </a:lstStyle>
           <a:p>
+            <a:endParaRPr lang="pt-BR" sz="2800" dirty="0" smtClean="0"/>
+          </a:p>
+          <a:p>
             <a:r>
               <a:rPr lang="pt-BR" sz="2800" dirty="0" smtClean="0"/>
-              <a:t>Resultados da análise</a:t>
+              <a:t>Resultados </a:t>
+            </a:r>
+            <a:r>
+              <a:rPr lang="pt-BR" sz="2800" dirty="0" smtClean="0"/>
+              <a:t>da análise</a:t>
             </a:r>
             <a:endParaRPr lang="pt-BR" sz="2800" dirty="0"/>
           </a:p>
@@ -16062,41 +15744,6 @@
           </a:p>
         </p:txBody>
       </p:sp>
-      <p:sp>
-        <p:nvSpPr>
-          <p:cNvPr id="8" name="CaixaDeTexto 7"/>
-          <p:cNvSpPr txBox="1"/>
-          <p:nvPr/>
-        </p:nvSpPr>
-        <p:spPr>
-          <a:xfrm>
-            <a:off x="472058" y="644203"/>
-            <a:ext cx="8229600" cy="954107"/>
-          </a:xfrm>
-          <a:prstGeom prst="rect">
-            <a:avLst/>
-          </a:prstGeom>
-          <a:noFill/>
-        </p:spPr>
-        <p:txBody>
-          <a:bodyPr wrap="square" rtlCol="0">
-            <a:spAutoFit/>
-          </a:bodyPr>
-          <a:lstStyle/>
-          <a:p>
-            <a:pPr lvl="0" algn="ctr"/>
-            <a:r>
-              <a:rPr lang="pt-BR" sz="2800" dirty="0"/>
-              <a:t>Qual a quantidade de alunos negros que moram em zona urbana ou rural entre os anos da análise</a:t>
-            </a:r>
-            <a:r>
-              <a:rPr lang="pt-BR" sz="2800" dirty="0" smtClean="0"/>
-              <a:t>?</a:t>
-            </a:r>
-            <a:endParaRPr lang="pt-BR" dirty="0"/>
-          </a:p>
-        </p:txBody>
-      </p:sp>
       <p:graphicFrame>
         <p:nvGraphicFramePr>
           <p:cNvPr id="9" name="Gráfico 8"/>
@@ -16104,13 +15751,13 @@
           <p:nvPr>
             <p:extLst>
               <p:ext uri="{D42A27DB-BD31-4B8C-83A1-F6EECF244321}">
-                <p14:modId xmlns:p14="http://schemas.microsoft.com/office/powerpoint/2010/main" val="3748557879"/>
+                <p14:modId xmlns:p14="http://schemas.microsoft.com/office/powerpoint/2010/main" val="992547480"/>
               </p:ext>
             </p:extLst>
           </p:nvPr>
         </p:nvGraphicFramePr>
         <p:xfrm>
-          <a:off x="457200" y="1721566"/>
+          <a:off x="457200" y="1210790"/>
           <a:ext cx="8244457" cy="4634784"/>
         </p:xfrm>
         <a:graphic>
@@ -16174,8 +15821,8 @@
         </p:nvSpPr>
         <p:spPr>
           <a:xfrm>
-            <a:off x="465956" y="116632"/>
-            <a:ext cx="8229600" cy="504056"/>
+            <a:off x="0" y="116632"/>
+            <a:ext cx="9144000" cy="1080120"/>
           </a:xfrm>
           <a:prstGeom prst="rect">
             <a:avLst/>
@@ -16183,7 +15830,7 @@
         </p:spPr>
         <p:txBody>
           <a:bodyPr>
-            <a:normAutofit lnSpcReduction="10000"/>
+            <a:normAutofit/>
           </a:bodyPr>
           <a:lstStyle>
             <a:lvl1pPr algn="ctr" defTabSz="914400" rtl="0" eaLnBrk="1" latinLnBrk="0" hangingPunct="1">
@@ -16202,9 +15849,16 @@
             </a:lvl1pPr>
           </a:lstStyle>
           <a:p>
+            <a:endParaRPr lang="pt-BR" sz="2800" dirty="0" smtClean="0"/>
+          </a:p>
+          <a:p>
             <a:r>
               <a:rPr lang="pt-BR" sz="2800" dirty="0" smtClean="0"/>
-              <a:t>Considerações Finais</a:t>
+              <a:t>Considerações </a:t>
+            </a:r>
+            <a:r>
+              <a:rPr lang="pt-BR" sz="2800" dirty="0" smtClean="0"/>
+              <a:t>Finais</a:t>
             </a:r>
             <a:endParaRPr lang="pt-BR" sz="2800" dirty="0"/>
           </a:p>
@@ -16381,11 +16035,7 @@
             </a:pPr>
             <a:r>
               <a:rPr lang="pt-BR" sz="2800" dirty="0" smtClean="0"/>
-              <a:t>Foram </a:t>
-            </a:r>
-            <a:r>
-              <a:rPr lang="pt-BR" sz="2800" dirty="0" smtClean="0"/>
-              <a:t>analisados:</a:t>
+              <a:t>Foram analisados:</a:t>
             </a:r>
           </a:p>
           <a:p>
@@ -16672,11 +16322,7 @@
             </a:pPr>
             <a:r>
               <a:rPr lang="pt-BR" dirty="0" smtClean="0"/>
-              <a:t>“</a:t>
-            </a:r>
-            <a:r>
-              <a:rPr lang="pt-BR" dirty="0" smtClean="0"/>
-              <a:t>Sem dados você é apenas mais </a:t>
+              <a:t>“Sem dados você é apenas mais </a:t>
             </a:r>
           </a:p>
           <a:p>
@@ -16808,7 +16454,7 @@
         </p:nvSpPr>
         <p:spPr>
           <a:xfrm>
-            <a:off x="421754" y="1182589"/>
+            <a:off x="457200" y="692696"/>
             <a:ext cx="8229600" cy="792088"/>
           </a:xfrm>
         </p:spPr>
@@ -16820,11 +16466,7 @@
           <a:p>
             <a:r>
               <a:rPr lang="pt-BR" sz="2800" dirty="0" smtClean="0"/>
-              <a:t>Delimitação do </a:t>
-            </a:r>
-            <a:r>
-              <a:rPr lang="pt-BR" sz="2800" dirty="0" smtClean="0"/>
-              <a:t>tema</a:t>
+              <a:t>Delimitação do tema</a:t>
             </a:r>
             <a:endParaRPr lang="pt-BR" sz="2800" dirty="0"/>
           </a:p>
@@ -16842,7 +16484,7 @@
         </p:nvSpPr>
         <p:spPr>
           <a:xfrm>
-            <a:off x="457200" y="2204864"/>
+            <a:off x="457200" y="1796331"/>
             <a:ext cx="8229600" cy="4248472"/>
           </a:xfrm>
         </p:spPr>
@@ -16859,11 +16501,7 @@
             </a:pPr>
             <a:r>
               <a:rPr lang="pt-BR" sz="4000" dirty="0" smtClean="0"/>
-              <a:t>Colher informações sobre </a:t>
-            </a:r>
-            <a:r>
-              <a:rPr lang="pt-BR" sz="4000" dirty="0" smtClean="0"/>
-              <a:t>a </a:t>
+              <a:t>Colher informações sobre a </a:t>
             </a:r>
             <a:r>
               <a:rPr lang="pt-BR" sz="4000" dirty="0"/>
@@ -17031,7 +16669,7 @@
         </p:nvSpPr>
         <p:spPr>
           <a:xfrm>
-            <a:off x="457200" y="1182589"/>
+            <a:off x="457200" y="692696"/>
             <a:ext cx="8229600" cy="792088"/>
           </a:xfrm>
         </p:spPr>
@@ -17043,11 +16681,7 @@
           <a:p>
             <a:r>
               <a:rPr lang="pt-BR" sz="2800" dirty="0" smtClean="0"/>
-              <a:t>Formulação do </a:t>
-            </a:r>
-            <a:r>
-              <a:rPr lang="pt-BR" sz="2800" dirty="0" smtClean="0"/>
-              <a:t>problema</a:t>
+              <a:t>Formulação do problema</a:t>
             </a:r>
             <a:endParaRPr lang="pt-BR" sz="2800" dirty="0"/>
           </a:p>
@@ -17065,7 +16699,7 @@
         </p:nvSpPr>
         <p:spPr>
           <a:xfrm>
-            <a:off x="457200" y="2204864"/>
+            <a:off x="457200" y="1959917"/>
             <a:ext cx="8229600" cy="3921299"/>
           </a:xfrm>
         </p:spPr>
@@ -17190,11 +16824,7 @@
           <a:p>
             <a:r>
               <a:rPr lang="pt-BR" sz="2800" dirty="0" smtClean="0"/>
-              <a:t>Objetivos </a:t>
-            </a:r>
-            <a:r>
-              <a:rPr lang="pt-BR" sz="2800" dirty="0" smtClean="0"/>
-              <a:t>gerais</a:t>
+              <a:t>Objetivos gerais</a:t>
             </a:r>
             <a:endParaRPr lang="pt-BR" sz="2800" dirty="0"/>
           </a:p>
@@ -17268,11 +16898,7 @@
             </a:pPr>
             <a:r>
               <a:rPr lang="pt-BR" sz="2800" dirty="0" smtClean="0"/>
-              <a:t>Comprovar </a:t>
-            </a:r>
-            <a:r>
-              <a:rPr lang="pt-BR" sz="2800" dirty="0" smtClean="0"/>
-              <a:t>a </a:t>
+              <a:t>Comprovar a </a:t>
             </a:r>
             <a:r>
               <a:rPr lang="pt-BR" sz="2800" dirty="0"/>
@@ -17358,7 +16984,7 @@
         </p:nvSpPr>
         <p:spPr>
           <a:xfrm>
-            <a:off x="457200" y="332656"/>
+            <a:off x="457200" y="452426"/>
             <a:ext cx="8229600" cy="792088"/>
           </a:xfrm>
         </p:spPr>
@@ -17370,11 +16996,7 @@
           <a:p>
             <a:r>
               <a:rPr lang="pt-BR" sz="2800" dirty="0" smtClean="0"/>
-              <a:t>Objetivos </a:t>
-            </a:r>
-            <a:r>
-              <a:rPr lang="pt-BR" sz="2800" dirty="0" smtClean="0"/>
-              <a:t>específicos</a:t>
+              <a:t>Objetivos específicos</a:t>
             </a:r>
             <a:endParaRPr lang="pt-BR" sz="2800" dirty="0"/>
           </a:p>
@@ -17413,11 +17035,7 @@
             </a:r>
             <a:r>
               <a:rPr lang="pt-BR" sz="2800" dirty="0" smtClean="0"/>
-              <a:t>sobre</a:t>
-            </a:r>
-            <a:r>
-              <a:rPr lang="pt-BR" sz="2800" dirty="0" smtClean="0"/>
-              <a:t> </a:t>
+              <a:t>sobre </a:t>
             </a:r>
             <a:r>
               <a:rPr lang="en-US" sz="2800" i="1" dirty="0" smtClean="0"/>
@@ -17455,7 +17073,15 @@
             </a:r>
             <a:r>
               <a:rPr lang="pt-BR" sz="2800" dirty="0"/>
-              <a:t>bem como os processos de ETL (Extração, Transformação e Carga) e a montagem do ambiente de </a:t>
+              <a:t>bem como os processos de </a:t>
+            </a:r>
+            <a:r>
+              <a:rPr lang="pt-BR" sz="2800" dirty="0" smtClean="0"/>
+              <a:t>ETL e </a:t>
+            </a:r>
+            <a:r>
+              <a:rPr lang="pt-BR" sz="2800" dirty="0"/>
+              <a:t>a montagem do ambiente de </a:t>
             </a:r>
             <a:r>
               <a:rPr lang="en-US" sz="2800" i="1" dirty="0" smtClean="0"/>
@@ -17555,7 +17181,7 @@
         </p:nvSpPr>
         <p:spPr>
           <a:xfrm>
-            <a:off x="430138" y="620686"/>
+            <a:off x="441109" y="437534"/>
             <a:ext cx="8229600" cy="792088"/>
           </a:xfrm>
         </p:spPr>
@@ -17585,7 +17211,7 @@
         </p:nvSpPr>
         <p:spPr>
           <a:xfrm>
-            <a:off x="457200" y="1821974"/>
+            <a:off x="441109" y="1484784"/>
             <a:ext cx="8229600" cy="4125176"/>
           </a:xfrm>
         </p:spPr>
@@ -17602,17 +17228,8 @@
             </a:pPr>
             <a:r>
               <a:rPr lang="pt-BR" sz="2800" dirty="0" smtClean="0"/>
-              <a:t>Pesquisa </a:t>
-            </a:r>
-            <a:r>
-              <a:rPr lang="pt-BR" sz="2800" dirty="0" smtClean="0"/>
-              <a:t>aplicada: aplicação prática da ciência</a:t>
-            </a:r>
-            <a:r>
-              <a:rPr lang="pt-BR" sz="2800" dirty="0" smtClean="0"/>
-              <a:t>;</a:t>
-            </a:r>
-            <a:endParaRPr lang="pt-BR" sz="2800" dirty="0" smtClean="0"/>
+              <a:t>Pesquisa aplicada: aplicação prática da ciência;</a:t>
+            </a:r>
           </a:p>
           <a:p>
             <a:pPr algn="just">
@@ -17632,7 +17249,6 @@
               <a:rPr lang="pt-BR" sz="2800" dirty="0" smtClean="0"/>
               <a:t>;</a:t>
             </a:r>
-            <a:endParaRPr lang="pt-BR" sz="2800" dirty="0" smtClean="0"/>
           </a:p>
           <a:p>
             <a:pPr algn="just">
@@ -17719,7 +17335,7 @@
         </p:nvSpPr>
         <p:spPr>
           <a:xfrm>
-            <a:off x="465187" y="332656"/>
+            <a:off x="447675" y="404664"/>
             <a:ext cx="8229600" cy="792088"/>
           </a:xfrm>
         </p:spPr>
@@ -17731,11 +17347,7 @@
           <a:p>
             <a:r>
               <a:rPr lang="pt-BR" sz="2800" dirty="0" smtClean="0"/>
-              <a:t>Embasamento </a:t>
-            </a:r>
-            <a:r>
-              <a:rPr lang="pt-BR" sz="2800" dirty="0" smtClean="0"/>
-              <a:t>teórico</a:t>
+              <a:t>Embasamento teórico</a:t>
             </a:r>
             <a:endParaRPr lang="pt-BR" sz="2800" dirty="0"/>
           </a:p>
@@ -17879,7 +17491,7 @@
         </p:nvSpPr>
         <p:spPr>
           <a:xfrm>
-            <a:off x="465187" y="332656"/>
+            <a:off x="463766" y="463627"/>
             <a:ext cx="8229600" cy="792088"/>
           </a:xfrm>
         </p:spPr>
@@ -17891,11 +17503,7 @@
           <a:p>
             <a:r>
               <a:rPr lang="pt-BR" sz="2800" dirty="0" smtClean="0"/>
-              <a:t>Embasamento </a:t>
-            </a:r>
-            <a:r>
-              <a:rPr lang="pt-BR" sz="2800" dirty="0" smtClean="0"/>
-              <a:t>teórico</a:t>
+              <a:t>Embasamento teórico</a:t>
             </a:r>
             <a:endParaRPr lang="pt-BR" sz="2800" dirty="0"/>
           </a:p>
@@ -17913,7 +17521,7 @@
         </p:nvSpPr>
         <p:spPr>
           <a:xfrm>
-            <a:off x="447675" y="1128192"/>
+            <a:off x="447674" y="1220360"/>
             <a:ext cx="8229600" cy="864096"/>
           </a:xfrm>
         </p:spPr>

--- a/APRESENTAÇÃO TCC.pptx
+++ b/APRESENTAÇÃO TCC.pptx
@@ -342,7 +342,6 @@
             <c:showLeaderLines val="0"/>
             <c:extLst>
               <c:ext xmlns:c15="http://schemas.microsoft.com/office/drawing/2012/chart" uri="{CE6537A1-D6FC-4f65-9D91-7224C49458BB}">
-                <c15:layout/>
                 <c15:showLeaderLines val="1"/>
                 <c15:leaderLines>
                   <c:spPr>
@@ -503,7 +502,6 @@
             <c:showLeaderLines val="0"/>
             <c:extLst>
               <c:ext xmlns:c15="http://schemas.microsoft.com/office/drawing/2012/chart" uri="{CE6537A1-D6FC-4f65-9D91-7224C49458BB}">
-                <c15:layout/>
                 <c15:showLeaderLines val="1"/>
                 <c15:leaderLines>
                   <c:spPr>
@@ -631,44 +629,6 @@
           </c:spPr>
           <c:invertIfNegative val="0"/>
           <c:dLbls>
-            <c:dLbl>
-              <c:idx val="3"/>
-              <c:spPr>
-                <a:noFill/>
-                <a:ln>
-                  <a:noFill/>
-                </a:ln>
-                <a:effectLst/>
-              </c:spPr>
-              <c:txPr>
-                <a:bodyPr rot="0" spcFirstLastPara="1" vertOverflow="ellipsis" vert="horz" wrap="square" anchor="ctr" anchorCtr="1"/>
-                <a:lstStyle/>
-                <a:p>
-                  <a:pPr>
-                    <a:defRPr sz="1400" b="1" i="0" u="none" strike="noStrike" kern="1200" baseline="0">
-                      <a:solidFill>
-                        <a:schemeClr val="tx1"/>
-                      </a:solidFill>
-                      <a:latin typeface="+mn-lt"/>
-                      <a:ea typeface="+mn-ea"/>
-                      <a:cs typeface="+mn-cs"/>
-                    </a:defRPr>
-                  </a:pPr>
-                  <a:endParaRPr lang="pt-BR"/>
-                </a:p>
-              </c:txPr>
-              <c:showLegendKey val="0"/>
-              <c:showVal val="1"/>
-              <c:showCatName val="0"/>
-              <c:showSerName val="0"/>
-              <c:showPercent val="0"/>
-              <c:showBubbleSize val="0"/>
-              <c:extLst>
-                <c:ext xmlns:c16="http://schemas.microsoft.com/office/drawing/2014/chart" uri="{C3380CC4-5D6E-409C-BE32-E72D297353CC}">
-                  <c16:uniqueId val="{00000000-E357-4B9F-BFDC-A39EF3F7C002}"/>
-                </c:ext>
-              </c:extLst>
-            </c:dLbl>
             <c:spPr>
               <a:noFill/>
               <a:ln>
@@ -702,7 +662,6 @@
             <c:showLeaderLines val="0"/>
             <c:extLst>
               <c:ext xmlns:c15="http://schemas.microsoft.com/office/drawing/2012/chart" uri="{CE6537A1-D6FC-4f65-9D91-7224C49458BB}">
-                <c15:layout/>
                 <c15:showLeaderLines val="1"/>
                 <c15:leaderLines>
                   <c:spPr>
@@ -845,9 +804,7 @@
               <c:showPercent val="0"/>
               <c:showBubbleSize val="0"/>
               <c:extLst>
-                <c:ext xmlns:c15="http://schemas.microsoft.com/office/drawing/2012/chart" uri="{CE6537A1-D6FC-4f65-9D91-7224C49458BB}">
-                  <c15:layout/>
-                </c:ext>
+                <c:ext xmlns:c15="http://schemas.microsoft.com/office/drawing/2012/chart" uri="{CE6537A1-D6FC-4f65-9D91-7224C49458BB}"/>
                 <c:ext xmlns:c16="http://schemas.microsoft.com/office/drawing/2014/chart" uri="{C3380CC4-5D6E-409C-BE32-E72D297353CC}">
                   <c16:uniqueId val="{00000002-E357-4B9F-BFDC-A39EF3F7C002}"/>
                 </c:ext>
@@ -886,7 +843,6 @@
             <c:showLeaderLines val="0"/>
             <c:extLst>
               <c:ext xmlns:c15="http://schemas.microsoft.com/office/drawing/2012/chart" uri="{CE6537A1-D6FC-4f65-9D91-7224C49458BB}">
-                <c15:layout/>
                 <c15:showLeaderLines val="1"/>
                 <c15:leaderLines>
                   <c:spPr>
@@ -1047,7 +1003,6 @@
             <c:showLeaderLines val="0"/>
             <c:extLst>
               <c:ext xmlns:c15="http://schemas.microsoft.com/office/drawing/2012/chart" uri="{CE6537A1-D6FC-4f65-9D91-7224C49458BB}">
-                <c15:layout/>
                 <c15:showLeaderLines val="1"/>
                 <c15:leaderLines>
                   <c:spPr>
@@ -1208,7 +1163,6 @@
             <c:showLeaderLines val="0"/>
             <c:extLst>
               <c:ext xmlns:c15="http://schemas.microsoft.com/office/drawing/2012/chart" uri="{CE6537A1-D6FC-4f65-9D91-7224C49458BB}">
-                <c15:layout/>
                 <c15:showLeaderLines val="1"/>
                 <c15:leaderLines>
                   <c:spPr>
@@ -1359,7 +1313,6 @@
     </c:plotArea>
     <c:legend>
       <c:legendPos val="b"/>
-      <c:layout/>
       <c:overlay val="0"/>
       <c:spPr>
         <a:noFill/>
@@ -1463,7 +1416,6 @@
           </a:p>
         </c:rich>
       </c:tx>
-      <c:layout/>
       <c:overlay val="0"/>
       <c:spPr>
         <a:noFill/>
@@ -1622,7 +1574,6 @@
             <c:showLeaderLines val="0"/>
             <c:extLst>
               <c:ext xmlns:c15="http://schemas.microsoft.com/office/drawing/2012/chart" uri="{CE6537A1-D6FC-4f65-9D91-7224C49458BB}">
-                <c15:layout/>
                 <c15:showLeaderLines val="1"/>
                 <c15:leaderLines>
                   <c:spPr>
@@ -1856,7 +1807,6 @@
           </a:p>
         </c:rich>
       </c:tx>
-      <c:layout/>
       <c:overlay val="0"/>
       <c:spPr>
         <a:noFill/>
@@ -1992,7 +1942,6 @@
             <c:showLeaderLines val="0"/>
             <c:extLst>
               <c:ext xmlns:c15="http://schemas.microsoft.com/office/drawing/2012/chart" uri="{CE6537A1-D6FC-4f65-9D91-7224C49458BB}">
-                <c15:layout/>
                 <c15:showLeaderLines val="1"/>
                 <c15:leaderLines>
                   <c:spPr>
@@ -2254,7 +2203,6 @@
           </a:p>
         </c:rich>
       </c:tx>
-      <c:layout/>
       <c:overlay val="0"/>
       <c:spPr>
         <a:noFill/>
@@ -2390,7 +2338,6 @@
             <c:showLeaderLines val="0"/>
             <c:extLst>
               <c:ext xmlns:c15="http://schemas.microsoft.com/office/drawing/2012/chart" uri="{CE6537A1-D6FC-4f65-9D91-7224C49458BB}">
-                <c15:layout/>
                 <c15:showLeaderLines val="1"/>
                 <c15:leaderLines>
                   <c:spPr>
@@ -2656,7 +2603,6 @@
           </a:p>
         </c:rich>
       </c:tx>
-      <c:layout/>
       <c:overlay val="0"/>
       <c:spPr>
         <a:noFill/>
@@ -2815,7 +2761,6 @@
             <c:showLeaderLines val="0"/>
             <c:extLst>
               <c:ext xmlns:c15="http://schemas.microsoft.com/office/drawing/2012/chart" uri="{CE6537A1-D6FC-4f65-9D91-7224C49458BB}">
-                <c15:layout/>
                 <c15:showLeaderLines val="1"/>
                 <c15:leaderLines>
                   <c:spPr>
@@ -3049,7 +2994,6 @@
           </a:p>
         </c:rich>
       </c:tx>
-      <c:layout/>
       <c:overlay val="0"/>
       <c:spPr>
         <a:noFill/>
@@ -3185,7 +3129,6 @@
             <c:showLeaderLines val="0"/>
             <c:extLst>
               <c:ext xmlns:c15="http://schemas.microsoft.com/office/drawing/2012/chart" uri="{CE6537A1-D6FC-4f65-9D91-7224C49458BB}">
-                <c15:layout/>
                 <c15:showLeaderLines val="1"/>
                 <c15:leaderLines>
                   <c:spPr>
@@ -3346,7 +3289,6 @@
             <c:showLeaderLines val="0"/>
             <c:extLst>
               <c:ext xmlns:c15="http://schemas.microsoft.com/office/drawing/2012/chart" uri="{CE6537A1-D6FC-4f65-9D91-7224C49458BB}">
-                <c15:layout/>
                 <c15:showLeaderLines val="1"/>
                 <c15:leaderLines>
                   <c:spPr>
@@ -3497,7 +3439,6 @@
     </c:plotArea>
     <c:legend>
       <c:legendPos val="b"/>
-      <c:layout/>
       <c:overlay val="0"/>
       <c:spPr>
         <a:noFill/>
@@ -11873,27 +11814,36 @@
   <p:cSld>
     <p:bg>
       <p:bgPr>
-        <a:blipFill dpi="0" rotWithShape="1">
-          <a:blip r:embed="rId13">
-            <a:alphaModFix amt="20000"/>
-            <a:lum/>
-            <a:extLst>
-              <a:ext uri="{BEBA8EAE-BF5A-486C-A8C5-ECC9F3942E4B}">
-                <a14:imgProps xmlns:a14="http://schemas.microsoft.com/office/drawing/2010/main">
-                  <a14:imgLayer r:embed="rId14">
-                    <a14:imgEffect>
-                      <a14:artisticCrisscrossEtching/>
-                    </a14:imgEffect>
-                  </a14:imgLayer>
-                </a14:imgProps>
-              </a:ext>
-            </a:extLst>
-          </a:blip>
-          <a:srcRect/>
-          <a:stretch>
-            <a:fillRect/>
-          </a:stretch>
-        </a:blipFill>
+        <a:gradFill flip="none" rotWithShape="1">
+          <a:gsLst>
+            <a:gs pos="0">
+              <a:schemeClr val="accent1">
+                <a:lumMod val="5000"/>
+                <a:lumOff val="95000"/>
+              </a:schemeClr>
+            </a:gs>
+            <a:gs pos="74000">
+              <a:schemeClr val="accent1">
+                <a:lumMod val="45000"/>
+                <a:lumOff val="55000"/>
+              </a:schemeClr>
+            </a:gs>
+            <a:gs pos="83000">
+              <a:schemeClr val="accent1">
+                <a:lumMod val="45000"/>
+                <a:lumOff val="55000"/>
+              </a:schemeClr>
+            </a:gs>
+            <a:gs pos="100000">
+              <a:schemeClr val="accent1">
+                <a:lumMod val="30000"/>
+                <a:lumOff val="70000"/>
+              </a:schemeClr>
+            </a:gs>
+          </a:gsLst>
+          <a:lin ang="5400000" scaled="1"/>
+          <a:tileRect/>
+        </a:gradFill>
         <a:effectLst/>
       </p:bgPr>
     </p:bg>
@@ -12797,32 +12747,6 @@
 <file path=ppt/slides/slide10.xml><?xml version="1.0" encoding="utf-8"?>
 <p:sld xmlns:a="http://schemas.openxmlformats.org/drawingml/2006/main" xmlns:r="http://schemas.openxmlformats.org/officeDocument/2006/relationships" xmlns:p="http://schemas.openxmlformats.org/presentationml/2006/main">
   <p:cSld>
-    <p:bg>
-      <p:bgPr>
-        <a:blipFill dpi="0" rotWithShape="1">
-          <a:blip r:embed="rId3">
-            <a:alphaModFix amt="20000"/>
-            <a:lum/>
-            <a:extLst>
-              <a:ext uri="{BEBA8EAE-BF5A-486C-A8C5-ECC9F3942E4B}">
-                <a14:imgProps xmlns:a14="http://schemas.microsoft.com/office/drawing/2010/main">
-                  <a14:imgLayer r:embed="rId4">
-                    <a14:imgEffect>
-                      <a14:artisticCrisscrossEtching/>
-                    </a14:imgEffect>
-                  </a14:imgLayer>
-                </a14:imgProps>
-              </a:ext>
-            </a:extLst>
-          </a:blip>
-          <a:srcRect/>
-          <a:stretch>
-            <a:fillRect/>
-          </a:stretch>
-        </a:blipFill>
-        <a:effectLst/>
-      </p:bgPr>
-    </p:bg>
     <p:spTree>
       <p:nvGrpSpPr>
         <p:cNvPr id="1" name=""/>
@@ -12932,7 +12856,7 @@
           <p:nvPr/>
         </p:nvPicPr>
         <p:blipFill>
-          <a:blip r:embed="rId5" cstate="print">
+          <a:blip r:embed="rId3" cstate="print">
             <a:extLst>
               <a:ext uri="{28A0092B-C50C-407E-A947-70E740481C1C}">
                 <a14:useLocalDpi xmlns:a14="http://schemas.microsoft.com/office/drawing/2010/main" val="0"/>
@@ -12969,7 +12893,7 @@
           <p:nvPr/>
         </p:nvPicPr>
         <p:blipFill>
-          <a:blip r:embed="rId6" cstate="print">
+          <a:blip r:embed="rId4" cstate="print">
             <a:extLst>
               <a:ext uri="{28A0092B-C50C-407E-A947-70E740481C1C}">
                 <a14:useLocalDpi xmlns:a14="http://schemas.microsoft.com/office/drawing/2010/main" val="0"/>
@@ -13191,7 +13115,6 @@
               <a:rPr lang="pt-BR" sz="2800" dirty="0" smtClean="0"/>
               <a:t>Criado em 13 de janeiro de 1937; 1938 – início dos trabalhos; Decreto-Lei nº 580;</a:t>
             </a:r>
-            <a:endParaRPr lang="pt-BR" sz="2800" dirty="0" smtClean="0"/>
           </a:p>
         </p:txBody>
       </p:sp>
@@ -15085,11 +15008,7 @@
           <a:p>
             <a:r>
               <a:rPr lang="pt-BR" sz="2800" dirty="0" smtClean="0"/>
-              <a:t>Resultados </a:t>
-            </a:r>
-            <a:r>
-              <a:rPr lang="pt-BR" sz="2800" dirty="0" smtClean="0"/>
-              <a:t>da </a:t>
+              <a:t>Resultados da </a:t>
             </a:r>
             <a:r>
               <a:rPr lang="pt-BR" sz="2800" dirty="0"/>
@@ -15424,11 +15343,7 @@
           <a:p>
             <a:r>
               <a:rPr lang="pt-BR" sz="2800" dirty="0" smtClean="0"/>
-              <a:t>Resultados </a:t>
-            </a:r>
-            <a:r>
-              <a:rPr lang="pt-BR" sz="2800" dirty="0" smtClean="0"/>
-              <a:t>da </a:t>
+              <a:t>Resultados da </a:t>
             </a:r>
             <a:r>
               <a:rPr lang="pt-BR" sz="2800" dirty="0"/>
@@ -15545,11 +15460,7 @@
           <a:p>
             <a:r>
               <a:rPr lang="pt-BR" sz="2800" dirty="0" smtClean="0"/>
-              <a:t>Resultados </a:t>
-            </a:r>
-            <a:r>
-              <a:rPr lang="pt-BR" sz="2800" dirty="0" smtClean="0"/>
-              <a:t>da análise</a:t>
+              <a:t>Resultados da análise</a:t>
             </a:r>
             <a:endParaRPr lang="pt-BR" sz="2800" dirty="0"/>
           </a:p>
@@ -15854,11 +15765,7 @@
           <a:p>
             <a:r>
               <a:rPr lang="pt-BR" sz="2800" dirty="0" smtClean="0"/>
-              <a:t>Considerações </a:t>
-            </a:r>
-            <a:r>
-              <a:rPr lang="pt-BR" sz="2800" dirty="0" smtClean="0"/>
-              <a:t>Finais</a:t>
+              <a:t>Considerações Finais</a:t>
             </a:r>
             <a:endParaRPr lang="pt-BR" sz="2800" dirty="0"/>
           </a:p>
